--- a/2 מצגת.pptx
+++ b/2 מצגת.pptx
@@ -297,7 +297,7 @@
           <a:p>
             <a:fld id="{E7F66D08-A57E-40CB-88ED-D27CE462D96E}" type="datetimeFigureOut">
               <a:rPr lang="he-IL" smtClean="0"/>
-              <a:t>י'/טבת/תש"פ</a:t>
+              <a:t>י"א/טבת/תש"פ</a:t>
             </a:fld>
             <a:endParaRPr lang="he-IL"/>
           </a:p>
@@ -495,7 +495,7 @@
           <a:p>
             <a:fld id="{E7F66D08-A57E-40CB-88ED-D27CE462D96E}" type="datetimeFigureOut">
               <a:rPr lang="he-IL" smtClean="0"/>
-              <a:t>י'/טבת/תש"פ</a:t>
+              <a:t>י"א/טבת/תש"פ</a:t>
             </a:fld>
             <a:endParaRPr lang="he-IL"/>
           </a:p>
@@ -703,7 +703,7 @@
           <a:p>
             <a:fld id="{E7F66D08-A57E-40CB-88ED-D27CE462D96E}" type="datetimeFigureOut">
               <a:rPr lang="he-IL" smtClean="0"/>
-              <a:t>י'/טבת/תש"פ</a:t>
+              <a:t>י"א/טבת/תש"פ</a:t>
             </a:fld>
             <a:endParaRPr lang="he-IL"/>
           </a:p>
@@ -901,7 +901,7 @@
           <a:p>
             <a:fld id="{E7F66D08-A57E-40CB-88ED-D27CE462D96E}" type="datetimeFigureOut">
               <a:rPr lang="he-IL" smtClean="0"/>
-              <a:t>י'/טבת/תש"פ</a:t>
+              <a:t>י"א/טבת/תש"פ</a:t>
             </a:fld>
             <a:endParaRPr lang="he-IL"/>
           </a:p>
@@ -1176,7 +1176,7 @@
           <a:p>
             <a:fld id="{E7F66D08-A57E-40CB-88ED-D27CE462D96E}" type="datetimeFigureOut">
               <a:rPr lang="he-IL" smtClean="0"/>
-              <a:t>י'/טבת/תש"פ</a:t>
+              <a:t>י"א/טבת/תש"פ</a:t>
             </a:fld>
             <a:endParaRPr lang="he-IL"/>
           </a:p>
@@ -1441,7 +1441,7 @@
           <a:p>
             <a:fld id="{E7F66D08-A57E-40CB-88ED-D27CE462D96E}" type="datetimeFigureOut">
               <a:rPr lang="he-IL" smtClean="0"/>
-              <a:t>י'/טבת/תש"פ</a:t>
+              <a:t>י"א/טבת/תש"פ</a:t>
             </a:fld>
             <a:endParaRPr lang="he-IL"/>
           </a:p>
@@ -1853,7 +1853,7 @@
           <a:p>
             <a:fld id="{E7F66D08-A57E-40CB-88ED-D27CE462D96E}" type="datetimeFigureOut">
               <a:rPr lang="he-IL" smtClean="0"/>
-              <a:t>י'/טבת/תש"פ</a:t>
+              <a:t>י"א/טבת/תש"פ</a:t>
             </a:fld>
             <a:endParaRPr lang="he-IL"/>
           </a:p>
@@ -1994,7 +1994,7 @@
           <a:p>
             <a:fld id="{E7F66D08-A57E-40CB-88ED-D27CE462D96E}" type="datetimeFigureOut">
               <a:rPr lang="he-IL" smtClean="0"/>
-              <a:t>י'/טבת/תש"פ</a:t>
+              <a:t>י"א/טבת/תש"פ</a:t>
             </a:fld>
             <a:endParaRPr lang="he-IL"/>
           </a:p>
@@ -2107,7 +2107,7 @@
           <a:p>
             <a:fld id="{E7F66D08-A57E-40CB-88ED-D27CE462D96E}" type="datetimeFigureOut">
               <a:rPr lang="he-IL" smtClean="0"/>
-              <a:t>י'/טבת/תש"פ</a:t>
+              <a:t>י"א/טבת/תש"פ</a:t>
             </a:fld>
             <a:endParaRPr lang="he-IL"/>
           </a:p>
@@ -2418,7 +2418,7 @@
           <a:p>
             <a:fld id="{E7F66D08-A57E-40CB-88ED-D27CE462D96E}" type="datetimeFigureOut">
               <a:rPr lang="he-IL" smtClean="0"/>
-              <a:t>י'/טבת/תש"פ</a:t>
+              <a:t>י"א/טבת/תש"פ</a:t>
             </a:fld>
             <a:endParaRPr lang="he-IL"/>
           </a:p>
@@ -2706,7 +2706,7 @@
           <a:p>
             <a:fld id="{E7F66D08-A57E-40CB-88ED-D27CE462D96E}" type="datetimeFigureOut">
               <a:rPr lang="he-IL" smtClean="0"/>
-              <a:t>י'/טבת/תש"פ</a:t>
+              <a:t>י"א/טבת/תש"פ</a:t>
             </a:fld>
             <a:endParaRPr lang="he-IL"/>
           </a:p>
@@ -2947,7 +2947,7 @@
           <a:p>
             <a:fld id="{E7F66D08-A57E-40CB-88ED-D27CE462D96E}" type="datetimeFigureOut">
               <a:rPr lang="he-IL" smtClean="0"/>
-              <a:t>י'/טבת/תש"פ</a:t>
+              <a:t>י"א/טבת/תש"פ</a:t>
             </a:fld>
             <a:endParaRPr lang="he-IL"/>
           </a:p>
@@ -6106,15 +6106,7 @@
             </a:pPr>
             <a:r>
               <a:rPr lang="en-US" sz="1800" dirty="0"/>
-              <a:t>    x = </a:t>
-            </a:r>
-            <a:r>
-              <a:rPr lang="en-US" sz="1800" dirty="0" err="1"/>
-              <a:t>np.zeros</a:t>
-            </a:r>
-            <a:r>
-              <a:rPr lang="en-US" sz="1800" dirty="0"/>
-              <a:t>((size[0],size[1]))                  //new image</a:t>
+              <a:t>    x = zeros((size[0],size[1]))                  //new image</a:t>
             </a:r>
           </a:p>
           <a:p>
@@ -6148,7 +6140,7 @@
             </a:r>
             <a:r>
               <a:rPr lang="en-US" sz="1800" dirty="0"/>
-              <a:t>] = conv1D(</a:t>
+              <a:t>] = conv(</a:t>
             </a:r>
             <a:r>
               <a:rPr lang="en-US" sz="1800" dirty="0" err="1"/>
@@ -7266,15 +7258,7 @@
             </a:r>
             <a:r>
               <a:rPr lang="he-IL" sz="1900" dirty="0"/>
-              <a:t>. במקום לעשות קונבולוציה על התמונה מספר פעמים , נבצע קונבולוציה בין </a:t>
-            </a:r>
-            <a:r>
-              <a:rPr lang="he-IL" sz="1900" dirty="0" err="1"/>
-              <a:t>קרנל</a:t>
-            </a:r>
-            <a:r>
-              <a:rPr lang="he-IL" sz="1900" dirty="0"/>
-              <a:t> הנגזרת לטשטוש. </a:t>
+              <a:t>, ולאחר מכן נבצע את הקונבולוציה עם הנגזרות.</a:t>
             </a:r>
           </a:p>
           <a:p>
@@ -8998,7 +8982,15 @@
             </a:pPr>
             <a:r>
               <a:rPr lang="he-IL" dirty="0"/>
-              <a:t>- הפילטר לינארי</a:t>
+              <a:t>- השינוי </a:t>
+            </a:r>
+            <a:r>
+              <a:rPr lang="en-US" dirty="0"/>
+              <a:t>GRADIANT</a:t>
+            </a:r>
+            <a:r>
+              <a:rPr lang="he-IL" dirty="0"/>
+              <a:t> בין שני פיקסלים הוא לינארי</a:t>
             </a:r>
           </a:p>
           <a:p>
@@ -9008,7 +9000,15 @@
             </a:pPr>
             <a:r>
               <a:rPr lang="he-IL" dirty="0"/>
-              <a:t>הרעש הוא מוסף בלבד</a:t>
+              <a:t>הרעש הוא רעש </a:t>
+            </a:r>
+            <a:r>
+              <a:rPr lang="he-IL" dirty="0" err="1"/>
+              <a:t>גאוסייני</a:t>
+            </a:r>
+            <a:r>
+              <a:rPr lang="he-IL" dirty="0"/>
+              <a:t> מוסף בלבד</a:t>
             </a:r>
           </a:p>
           <a:p>
